--- a/mia slides.pptx
+++ b/mia slides.pptx
@@ -5,12 +5,13 @@
     <p:sldMasterId id="2147483725" r:id="rId1"/>
   </p:sldMasterIdLst>
   <p:notesMasterIdLst>
-    <p:notesMasterId r:id="rId5"/>
+    <p:notesMasterId r:id="rId6"/>
   </p:notesMasterIdLst>
   <p:sldIdLst>
     <p:sldId id="272" r:id="rId2"/>
     <p:sldId id="276" r:id="rId3"/>
-    <p:sldId id="277" r:id="rId4"/>
+    <p:sldId id="278" r:id="rId4"/>
+    <p:sldId id="277" r:id="rId5"/>
   </p:sldIdLst>
   <p:sldSz cx="9144000" cy="5143500" type="screen16x9"/>
   <p:notesSz cx="6858000" cy="9144000"/>
@@ -663,22 +664,11 @@
             </a:pPr>
             <a:r>
               <a:rPr lang="en-US" dirty="0"/>
-              <a:t>Dropped any rows with zeroes in the coordinates</a:t>
-            </a:r>
-          </a:p>
-          <a:p>
-            <a:pPr marL="0" lvl="0" indent="0" algn="l" rtl="0">
-              <a:spcBef>
-                <a:spcPts val="0"/>
-              </a:spcBef>
-              <a:spcAft>
-                <a:spcPts val="0"/>
-              </a:spcAft>
-              <a:buNone/>
-            </a:pPr>
-            <a:r>
-              <a:rPr lang="en-US" dirty="0"/>
-              <a:t>This ended up removing airports and large businesses from the data, perhaps due to the data recording processes of the taxi companies</a:t>
+              <a:t>Distribution of uber trips </a:t>
+            </a:r>
+            <a:r>
+              <a:rPr lang="en-US"/>
+              <a:t>by location ID</a:t>
             </a:r>
             <a:endParaRPr dirty="0"/>
           </a:p>
@@ -698,6 +688,134 @@
 </file>
 
 <file path=ppt/notesSlides/notesSlide2.xml><?xml version="1.0" encoding="utf-8"?>
+<p:notes xmlns:a="http://schemas.openxmlformats.org/drawingml/2006/main" xmlns:r="http://schemas.openxmlformats.org/officeDocument/2006/relationships" xmlns:p="http://schemas.openxmlformats.org/presentationml/2006/main" showMasterSp="0" showMasterPhAnim="0">
+  <p:cSld>
+    <p:spTree>
+      <p:nvGrpSpPr>
+        <p:cNvPr id="1" name="Shape 74"/>
+        <p:cNvGrpSpPr/>
+        <p:nvPr/>
+      </p:nvGrpSpPr>
+      <p:grpSpPr>
+        <a:xfrm>
+          <a:off x="0" y="0"/>
+          <a:ext cx="0" cy="0"/>
+          <a:chOff x="0" y="0"/>
+          <a:chExt cx="0" cy="0"/>
+        </a:xfrm>
+      </p:grpSpPr>
+      <p:sp>
+        <p:nvSpPr>
+          <p:cNvPr id="75" name="Google Shape;75;g61c278de77_0_6:notes"/>
+          <p:cNvSpPr>
+            <a:spLocks noGrp="1" noRot="1" noChangeAspect="1"/>
+          </p:cNvSpPr>
+          <p:nvPr>
+            <p:ph type="sldImg" idx="2"/>
+          </p:nvPr>
+        </p:nvSpPr>
+        <p:spPr>
+          <a:xfrm>
+            <a:off x="381000" y="685800"/>
+            <a:ext cx="6096000" cy="3429000"/>
+          </a:xfrm>
+          <a:custGeom>
+            <a:avLst/>
+            <a:gdLst/>
+            <a:ahLst/>
+            <a:cxnLst/>
+            <a:rect l="l" t="t" r="r" b="b"/>
+            <a:pathLst>
+              <a:path w="120000" h="120000" extrusionOk="0">
+                <a:moveTo>
+                  <a:pt x="0" y="0"/>
+                </a:moveTo>
+                <a:lnTo>
+                  <a:pt x="120000" y="0"/>
+                </a:lnTo>
+                <a:lnTo>
+                  <a:pt x="120000" y="120000"/>
+                </a:lnTo>
+                <a:lnTo>
+                  <a:pt x="0" y="120000"/>
+                </a:lnTo>
+                <a:close/>
+              </a:path>
+            </a:pathLst>
+          </a:custGeom>
+        </p:spPr>
+      </p:sp>
+      <p:sp>
+        <p:nvSpPr>
+          <p:cNvPr id="76" name="Google Shape;76;g61c278de77_0_6:notes"/>
+          <p:cNvSpPr txBox="1">
+            <a:spLocks noGrp="1"/>
+          </p:cNvSpPr>
+          <p:nvPr>
+            <p:ph type="body" idx="1"/>
+          </p:nvPr>
+        </p:nvSpPr>
+        <p:spPr>
+          <a:xfrm>
+            <a:off x="685800" y="4343400"/>
+            <a:ext cx="5486400" cy="4114800"/>
+          </a:xfrm>
+          <a:prstGeom prst="rect">
+            <a:avLst/>
+          </a:prstGeom>
+        </p:spPr>
+        <p:txBody>
+          <a:bodyPr spcFirstLastPara="1" wrap="square" lIns="91425" tIns="91425" rIns="91425" bIns="91425" anchor="t" anchorCtr="0">
+            <a:noAutofit/>
+          </a:bodyPr>
+          <a:lstStyle/>
+          <a:p>
+            <a:pPr marL="0" lvl="0" indent="0" algn="l" rtl="0">
+              <a:spcBef>
+                <a:spcPts val="0"/>
+              </a:spcBef>
+              <a:spcAft>
+                <a:spcPts val="0"/>
+              </a:spcAft>
+              <a:buNone/>
+            </a:pPr>
+            <a:r>
+              <a:rPr lang="en-US" dirty="0"/>
+              <a:t>Dropped any rows with zeroes in the coordinates</a:t>
+            </a:r>
+          </a:p>
+          <a:p>
+            <a:pPr marL="0" lvl="0" indent="0" algn="l" rtl="0">
+              <a:spcBef>
+                <a:spcPts val="0"/>
+              </a:spcBef>
+              <a:spcAft>
+                <a:spcPts val="0"/>
+              </a:spcAft>
+              <a:buNone/>
+            </a:pPr>
+            <a:r>
+              <a:rPr lang="en-US" dirty="0"/>
+              <a:t>This ended up removing airports and large businesses from the data, perhaps due to the data recording processes of the taxi companies</a:t>
+            </a:r>
+            <a:endParaRPr dirty="0"/>
+          </a:p>
+        </p:txBody>
+      </p:sp>
+    </p:spTree>
+    <p:extLst>
+      <p:ext uri="{BB962C8B-B14F-4D97-AF65-F5344CB8AC3E}">
+        <p14:creationId xmlns:p14="http://schemas.microsoft.com/office/powerpoint/2010/main" val="3241037128"/>
+      </p:ext>
+    </p:extLst>
+  </p:cSld>
+  <p:clrMapOvr>
+    <a:masterClrMapping/>
+  </p:clrMapOvr>
+</p:notes>
+</file>
+
+<file path=ppt/notesSlides/notesSlide3.xml><?xml version="1.0" encoding="utf-8"?>
 <p:notes xmlns:a="http://schemas.openxmlformats.org/drawingml/2006/main" xmlns:r="http://schemas.openxmlformats.org/officeDocument/2006/relationships" xmlns:p="http://schemas.openxmlformats.org/presentationml/2006/main">
   <p:cSld>
     <p:spTree>
@@ -1036,7 +1154,7 @@
           <a:p>
             <a:fld id="{4BDF68E2-58F2-4D09-BE8B-E3BD06533059}" type="datetimeFigureOut">
               <a:rPr lang="en-US" smtClean="0"/>
-              <a:t>11/5/2019</a:t>
+              <a:t>11/7/2019</a:t>
             </a:fld>
             <a:endParaRPr lang="en-US" dirty="0"/>
           </a:p>
@@ -1254,7 +1372,7 @@
           <a:p>
             <a:fld id="{2E2D6473-DF6D-4702-B328-E0DD40540A4E}" type="datetimeFigureOut">
               <a:rPr lang="en-US" smtClean="0"/>
-              <a:t>11/5/2019</a:t>
+              <a:t>11/7/2019</a:t>
             </a:fld>
             <a:endParaRPr lang="en-US" dirty="0"/>
           </a:p>
@@ -1520,7 +1638,7 @@
           <a:p>
             <a:fld id="{E26F7E3A-B166-407D-9866-32884E7D5B37}" type="datetimeFigureOut">
               <a:rPr lang="en-US" smtClean="0"/>
-              <a:t>11/5/2019</a:t>
+              <a:t>11/7/2019</a:t>
             </a:fld>
             <a:endParaRPr lang="en-US" dirty="0"/>
           </a:p>
@@ -2071,7 +2189,7 @@
           <a:p>
             <a:fld id="{528FC5F6-F338-4AE4-BB23-26385BCFC423}" type="datetimeFigureOut">
               <a:rPr lang="en-US" smtClean="0"/>
-              <a:t>11/5/2019</a:t>
+              <a:t>11/7/2019</a:t>
             </a:fld>
             <a:endParaRPr lang="en-US" dirty="0"/>
           </a:p>
@@ -2424,7 +2542,7 @@
           <a:p>
             <a:fld id="{20EBB0C4-6273-4C6E-B9BD-2EDC30F1CD52}" type="datetimeFigureOut">
               <a:rPr lang="en-US" smtClean="0"/>
-              <a:t>11/5/2019</a:t>
+              <a:t>11/7/2019</a:t>
             </a:fld>
             <a:endParaRPr lang="en-US" dirty="0"/>
           </a:p>
@@ -2709,7 +2827,7 @@
           <a:p>
             <a:fld id="{19AB4D41-86C1-4908-B66A-0B50CEB3BF29}" type="datetimeFigureOut">
               <a:rPr lang="en-US" smtClean="0"/>
-              <a:t>11/5/2019</a:t>
+              <a:t>11/7/2019</a:t>
             </a:fld>
             <a:endParaRPr lang="en-US" dirty="0"/>
           </a:p>
@@ -3098,7 +3216,7 @@
           <a:p>
             <a:fld id="{E6426E2C-56C1-4E0D-A793-0088A7FDD37E}" type="datetimeFigureOut">
               <a:rPr lang="en-US" smtClean="0"/>
-              <a:t>11/5/2019</a:t>
+              <a:t>11/7/2019</a:t>
             </a:fld>
             <a:endParaRPr lang="en-US" dirty="0"/>
           </a:p>
@@ -3226,7 +3344,7 @@
           <a:p>
             <a:fld id="{C8C39B41-D8B5-4052-B551-9B5525EAA8B6}" type="datetimeFigureOut">
               <a:rPr lang="en-US" smtClean="0"/>
-              <a:t>11/5/2019</a:t>
+              <a:t>11/7/2019</a:t>
             </a:fld>
             <a:endParaRPr lang="en-US" dirty="0"/>
           </a:p>
@@ -3407,7 +3525,7 @@
           <a:p>
             <a:fld id="{4D94136C-8742-45B2-AF27-D93DF72833A9}" type="datetimeFigureOut">
               <a:rPr lang="en-US" smtClean="0"/>
-              <a:t>11/5/2019</a:t>
+              <a:t>11/7/2019</a:t>
             </a:fld>
             <a:endParaRPr lang="en-US" dirty="0"/>
           </a:p>
@@ -3770,7 +3888,7 @@
           <a:p>
             <a:fld id="{32ABBEA6-7C60-4B02-AE87-00D78D8422AF}" type="datetimeFigureOut">
               <a:rPr lang="en-US" smtClean="0"/>
-              <a:t>11/5/2019</a:t>
+              <a:t>11/7/2019</a:t>
             </a:fld>
             <a:endParaRPr lang="en-US" dirty="0"/>
           </a:p>
@@ -4162,7 +4280,7 @@
           <a:p>
             <a:fld id="{C9CAD897-D46E-4AD2-BD9B-49DD3E640873}" type="datetimeFigureOut">
               <a:rPr lang="en-US" smtClean="0"/>
-              <a:t>11/5/2019</a:t>
+              <a:t>11/7/2019</a:t>
             </a:fld>
             <a:endParaRPr lang="en-US" dirty="0"/>
           </a:p>
@@ -4457,7 +4575,7 @@
           <a:p>
             <a:fld id="{98624D31-43A5-475A-80CF-332C9F6DCF35}" type="datetimeFigureOut">
               <a:rPr lang="en-US" smtClean="0"/>
-              <a:t>11/5/2019</a:t>
+              <a:t>11/7/2019</a:t>
             </a:fld>
             <a:endParaRPr lang="en-US" dirty="0"/>
           </a:p>
@@ -5457,6 +5575,554 @@
           </a:p>
         </p:txBody>
       </p:sp>
+      <p:cxnSp>
+        <p:nvCxnSpPr>
+          <p:cNvPr id="96" name="Straight Connector 95">
+            <a:extLst>
+              <a:ext uri="{FF2B5EF4-FFF2-40B4-BE49-F238E27FC236}">
+                <a16:creationId xmlns:a16="http://schemas.microsoft.com/office/drawing/2014/main" id="{6B5B1DD8-6224-4137-8621-32982B00F9FC}"/>
+              </a:ext>
+              <a:ext uri="{C183D7F6-B498-43B3-948B-1728B52AA6E4}">
+                <adec:decorative xmlns:adec="http://schemas.microsoft.com/office/drawing/2017/decorative" val="1"/>
+              </a:ext>
+            </a:extLst>
+          </p:cNvPr>
+          <p:cNvCxnSpPr>
+            <a:cxnSpLocks noGrp="1" noRot="1" noChangeAspect="1" noMove="1" noResize="1" noEditPoints="1" noAdjustHandles="1" noChangeArrowheads="1" noChangeShapeType="1"/>
+          </p:cNvCxnSpPr>
+          <p:nvPr>
+            <p:extLst>
+              <p:ext uri="{386F3935-93C4-4BCD-93E2-E3B085C9AB24}">
+                <p16:designElem xmlns:p16="http://schemas.microsoft.com/office/powerpoint/2015/main" val="1"/>
+              </p:ext>
+            </p:extLst>
+          </p:nvPr>
+        </p:nvCxnSpPr>
+        <p:spPr>
+          <a:xfrm>
+            <a:off x="5103789" y="3257550"/>
+            <a:ext cx="3291840" cy="0"/>
+          </a:xfrm>
+          <a:prstGeom prst="line">
+            <a:avLst/>
+          </a:prstGeom>
+          <a:ln w="6350">
+            <a:solidFill>
+              <a:schemeClr val="tx2">
+                <a:alpha val="90000"/>
+              </a:schemeClr>
+            </a:solidFill>
+          </a:ln>
+        </p:spPr>
+        <p:style>
+          <a:lnRef idx="1">
+            <a:schemeClr val="accent1"/>
+          </a:lnRef>
+          <a:fillRef idx="0">
+            <a:schemeClr val="accent1"/>
+          </a:fillRef>
+          <a:effectRef idx="0">
+            <a:schemeClr val="accent1"/>
+          </a:effectRef>
+          <a:fontRef idx="minor">
+            <a:schemeClr val="tx1"/>
+          </a:fontRef>
+        </p:style>
+      </p:cxnSp>
+      <p:sp>
+        <p:nvSpPr>
+          <p:cNvPr id="98" name="Rectangle 97">
+            <a:extLst>
+              <a:ext uri="{FF2B5EF4-FFF2-40B4-BE49-F238E27FC236}">
+                <a16:creationId xmlns:a16="http://schemas.microsoft.com/office/drawing/2014/main" id="{D8218D9F-38B6-4AE0-9051-5434D19A5277}"/>
+              </a:ext>
+              <a:ext uri="{C183D7F6-B498-43B3-948B-1728B52AA6E4}">
+                <adec:decorative xmlns:adec="http://schemas.microsoft.com/office/drawing/2017/decorative" val="1"/>
+              </a:ext>
+            </a:extLst>
+          </p:cNvPr>
+          <p:cNvSpPr>
+            <a:spLocks noGrp="1" noRot="1" noChangeAspect="1" noMove="1" noResize="1" noEditPoints="1" noAdjustHandles="1" noChangeArrowheads="1" noChangeShapeType="1" noTextEdit="1"/>
+          </p:cNvSpPr>
+          <p:nvPr>
+            <p:extLst>
+              <p:ext uri="{386F3935-93C4-4BCD-93E2-E3B085C9AB24}">
+                <p16:designElem xmlns:p16="http://schemas.microsoft.com/office/powerpoint/2015/main" val="1"/>
+              </p:ext>
+            </p:extLst>
+          </p:nvPr>
+        </p:nvSpPr>
+        <p:spPr>
+          <a:xfrm>
+            <a:off x="11" y="4750737"/>
+            <a:ext cx="9143989" cy="49863"/>
+          </a:xfrm>
+          <a:prstGeom prst="rect">
+            <a:avLst/>
+          </a:prstGeom>
+          <a:solidFill>
+            <a:schemeClr val="accent1"/>
+          </a:solidFill>
+          <a:ln>
+            <a:noFill/>
+          </a:ln>
+        </p:spPr>
+        <p:style>
+          <a:lnRef idx="2">
+            <a:schemeClr val="accent1">
+              <a:shade val="50000"/>
+            </a:schemeClr>
+          </a:lnRef>
+          <a:fillRef idx="1">
+            <a:schemeClr val="accent1"/>
+          </a:fillRef>
+          <a:effectRef idx="0">
+            <a:schemeClr val="accent1"/>
+          </a:effectRef>
+          <a:fontRef idx="minor">
+            <a:schemeClr val="lt1"/>
+          </a:fontRef>
+        </p:style>
+      </p:sp>
+      <p:sp>
+        <p:nvSpPr>
+          <p:cNvPr id="100" name="Rectangle 99">
+            <a:extLst>
+              <a:ext uri="{FF2B5EF4-FFF2-40B4-BE49-F238E27FC236}">
+                <a16:creationId xmlns:a16="http://schemas.microsoft.com/office/drawing/2014/main" id="{2D3DCA99-84AF-487A-BF72-91C5FA6B0B70}"/>
+              </a:ext>
+              <a:ext uri="{C183D7F6-B498-43B3-948B-1728B52AA6E4}">
+                <adec:decorative xmlns:adec="http://schemas.microsoft.com/office/drawing/2017/decorative" val="1"/>
+              </a:ext>
+            </a:extLst>
+          </p:cNvPr>
+          <p:cNvSpPr>
+            <a:spLocks noGrp="1" noRot="1" noChangeAspect="1" noMove="1" noResize="1" noEditPoints="1" noAdjustHandles="1" noChangeArrowheads="1" noChangeShapeType="1" noTextEdit="1"/>
+          </p:cNvSpPr>
+          <p:nvPr>
+            <p:extLst>
+              <p:ext uri="{386F3935-93C4-4BCD-93E2-E3B085C9AB24}">
+                <p16:designElem xmlns:p16="http://schemas.microsoft.com/office/powerpoint/2015/main" val="1"/>
+              </p:ext>
+            </p:extLst>
+          </p:nvPr>
+        </p:nvSpPr>
+        <p:spPr>
+          <a:xfrm>
+            <a:off x="0" y="4800600"/>
+            <a:ext cx="9144000" cy="342900"/>
+          </a:xfrm>
+          <a:prstGeom prst="rect">
+            <a:avLst/>
+          </a:prstGeom>
+          <a:solidFill>
+            <a:schemeClr val="accent2"/>
+          </a:solidFill>
+          <a:ln>
+            <a:noFill/>
+          </a:ln>
+        </p:spPr>
+        <p:style>
+          <a:lnRef idx="2">
+            <a:schemeClr val="accent1">
+              <a:shade val="50000"/>
+            </a:schemeClr>
+          </a:lnRef>
+          <a:fillRef idx="1">
+            <a:schemeClr val="accent1"/>
+          </a:fillRef>
+          <a:effectRef idx="0">
+            <a:schemeClr val="accent1"/>
+          </a:effectRef>
+          <a:fontRef idx="minor">
+            <a:schemeClr val="lt1"/>
+          </a:fontRef>
+        </p:style>
+      </p:sp>
+      <p:pic>
+        <p:nvPicPr>
+          <p:cNvPr id="1028" name="Picture 4">
+            <a:extLst>
+              <a:ext uri="{FF2B5EF4-FFF2-40B4-BE49-F238E27FC236}">
+                <a16:creationId xmlns:a16="http://schemas.microsoft.com/office/drawing/2014/main" id="{88B16E66-0366-4937-A164-ED41407128FA}"/>
+              </a:ext>
+            </a:extLst>
+          </p:cNvPr>
+          <p:cNvPicPr>
+            <a:picLocks noChangeAspect="1" noChangeArrowheads="1"/>
+          </p:cNvPicPr>
+          <p:nvPr/>
+        </p:nvPicPr>
+        <p:blipFill>
+          <a:blip r:embed="rId3">
+            <a:extLst>
+              <a:ext uri="{28A0092B-C50C-407E-A947-70E740481C1C}">
+                <a14:useLocalDpi xmlns:a14="http://schemas.microsoft.com/office/drawing/2010/main" val="0"/>
+              </a:ext>
+            </a:extLst>
+          </a:blip>
+          <a:srcRect/>
+          <a:stretch>
+            <a:fillRect/>
+          </a:stretch>
+        </p:blipFill>
+        <p:spPr bwMode="auto">
+          <a:xfrm>
+            <a:off x="248513" y="645889"/>
+            <a:ext cx="4436879" cy="3170829"/>
+          </a:xfrm>
+          <a:prstGeom prst="rect">
+            <a:avLst/>
+          </a:prstGeom>
+          <a:noFill/>
+          <a:extLst>
+            <a:ext uri="{909E8E84-426E-40DD-AFC4-6F175D3DCCD1}">
+              <a14:hiddenFill xmlns:a14="http://schemas.microsoft.com/office/drawing/2010/main">
+                <a:solidFill>
+                  <a:srgbClr val="FFFFFF"/>
+                </a:solidFill>
+              </a14:hiddenFill>
+            </a:ext>
+          </a:extLst>
+        </p:spPr>
+      </p:pic>
+    </p:spTree>
+    <p:extLst>
+      <p:ext uri="{BB962C8B-B14F-4D97-AF65-F5344CB8AC3E}">
+        <p14:creationId xmlns:p14="http://schemas.microsoft.com/office/powerpoint/2010/main" val="2131446784"/>
+      </p:ext>
+    </p:extLst>
+  </p:cSld>
+  <p:clrMapOvr>
+    <a:masterClrMapping/>
+  </p:clrMapOvr>
+</p:sld>
+</file>
+
+<file path=ppt/slides/slide3.xml><?xml version="1.0" encoding="utf-8"?>
+<p:sld xmlns:a="http://schemas.openxmlformats.org/drawingml/2006/main" xmlns:r="http://schemas.openxmlformats.org/officeDocument/2006/relationships" xmlns:p="http://schemas.openxmlformats.org/presentationml/2006/main">
+  <p:cSld>
+    <p:bg>
+      <p:bgPr>
+        <a:solidFill>
+          <a:schemeClr val="bg1"/>
+        </a:solidFill>
+        <a:effectLst/>
+      </p:bgPr>
+    </p:bg>
+    <p:spTree>
+      <p:nvGrpSpPr>
+        <p:cNvPr id="1" name="Shape 77"/>
+        <p:cNvGrpSpPr/>
+        <p:nvPr/>
+      </p:nvGrpSpPr>
+      <p:grpSpPr>
+        <a:xfrm>
+          <a:off x="0" y="0"/>
+          <a:ext cx="0" cy="0"/>
+          <a:chOff x="0" y="0"/>
+          <a:chExt cx="0" cy="0"/>
+        </a:xfrm>
+      </p:grpSpPr>
+      <p:sp>
+        <p:nvSpPr>
+          <p:cNvPr id="88" name="Rectangle 87">
+            <a:extLst>
+              <a:ext uri="{FF2B5EF4-FFF2-40B4-BE49-F238E27FC236}">
+                <a16:creationId xmlns:a16="http://schemas.microsoft.com/office/drawing/2014/main" id="{4E4490D0-3672-446A-AC12-B4830333BDDD}"/>
+              </a:ext>
+              <a:ext uri="{C183D7F6-B498-43B3-948B-1728B52AA6E4}">
+                <adec:decorative xmlns:adec="http://schemas.microsoft.com/office/drawing/2017/decorative" val="1"/>
+              </a:ext>
+            </a:extLst>
+          </p:cNvPr>
+          <p:cNvSpPr>
+            <a:spLocks noGrp="1" noRot="1" noChangeAspect="1" noMove="1" noResize="1" noEditPoints="1" noAdjustHandles="1" noChangeArrowheads="1" noChangeShapeType="1" noTextEdit="1"/>
+          </p:cNvSpPr>
+          <p:nvPr>
+            <p:extLst>
+              <p:ext uri="{386F3935-93C4-4BCD-93E2-E3B085C9AB24}">
+                <p16:designElem xmlns:p16="http://schemas.microsoft.com/office/powerpoint/2015/main" val="1"/>
+              </p:ext>
+            </p:extLst>
+          </p:nvPr>
+        </p:nvSpPr>
+        <p:spPr>
+          <a:xfrm>
+            <a:off x="2381" y="4800600"/>
+            <a:ext cx="9141619" cy="342900"/>
+          </a:xfrm>
+          <a:prstGeom prst="rect">
+            <a:avLst/>
+          </a:prstGeom>
+          <a:solidFill>
+            <a:schemeClr val="accent2"/>
+          </a:solidFill>
+          <a:ln>
+            <a:noFill/>
+          </a:ln>
+        </p:spPr>
+        <p:style>
+          <a:lnRef idx="2">
+            <a:schemeClr val="accent1">
+              <a:shade val="50000"/>
+            </a:schemeClr>
+          </a:lnRef>
+          <a:fillRef idx="1">
+            <a:schemeClr val="accent1"/>
+          </a:fillRef>
+          <a:effectRef idx="0">
+            <a:schemeClr val="accent1"/>
+          </a:effectRef>
+          <a:fontRef idx="minor">
+            <a:schemeClr val="lt1"/>
+          </a:fontRef>
+        </p:style>
+      </p:sp>
+      <p:sp>
+        <p:nvSpPr>
+          <p:cNvPr id="90" name="Rectangle 89">
+            <a:extLst>
+              <a:ext uri="{FF2B5EF4-FFF2-40B4-BE49-F238E27FC236}">
+                <a16:creationId xmlns:a16="http://schemas.microsoft.com/office/drawing/2014/main" id="{39CB82C2-DF65-4EC1-8280-F201D50F570B}"/>
+              </a:ext>
+              <a:ext uri="{C183D7F6-B498-43B3-948B-1728B52AA6E4}">
+                <adec:decorative xmlns:adec="http://schemas.microsoft.com/office/drawing/2017/decorative" val="1"/>
+              </a:ext>
+            </a:extLst>
+          </p:cNvPr>
+          <p:cNvSpPr>
+            <a:spLocks noGrp="1" noRot="1" noChangeAspect="1" noMove="1" noResize="1" noEditPoints="1" noAdjustHandles="1" noChangeArrowheads="1" noChangeShapeType="1" noTextEdit="1"/>
+          </p:cNvSpPr>
+          <p:nvPr>
+            <p:extLst>
+              <p:ext uri="{386F3935-93C4-4BCD-93E2-E3B085C9AB24}">
+                <p16:designElem xmlns:p16="http://schemas.microsoft.com/office/powerpoint/2015/main" val="1"/>
+              </p:ext>
+            </p:extLst>
+          </p:nvPr>
+        </p:nvSpPr>
+        <p:spPr>
+          <a:xfrm>
+            <a:off x="11" y="4750737"/>
+            <a:ext cx="9141619" cy="48006"/>
+          </a:xfrm>
+          <a:prstGeom prst="rect">
+            <a:avLst/>
+          </a:prstGeom>
+          <a:solidFill>
+            <a:schemeClr val="accent1"/>
+          </a:solidFill>
+          <a:ln>
+            <a:noFill/>
+          </a:ln>
+        </p:spPr>
+        <p:style>
+          <a:lnRef idx="2">
+            <a:schemeClr val="accent1">
+              <a:shade val="50000"/>
+            </a:schemeClr>
+          </a:lnRef>
+          <a:fillRef idx="1">
+            <a:schemeClr val="accent1"/>
+          </a:fillRef>
+          <a:effectRef idx="0">
+            <a:schemeClr val="accent1"/>
+          </a:effectRef>
+          <a:fontRef idx="minor">
+            <a:schemeClr val="lt1"/>
+          </a:fontRef>
+        </p:style>
+      </p:sp>
+      <p:cxnSp>
+        <p:nvCxnSpPr>
+          <p:cNvPr id="92" name="Straight Connector 91">
+            <a:extLst>
+              <a:ext uri="{FF2B5EF4-FFF2-40B4-BE49-F238E27FC236}">
+                <a16:creationId xmlns:a16="http://schemas.microsoft.com/office/drawing/2014/main" id="{7E1D4427-852B-4B37-8E76-0E9F1810BA2A}"/>
+              </a:ext>
+              <a:ext uri="{C183D7F6-B498-43B3-948B-1728B52AA6E4}">
+                <adec:decorative xmlns:adec="http://schemas.microsoft.com/office/drawing/2017/decorative" val="1"/>
+              </a:ext>
+            </a:extLst>
+          </p:cNvPr>
+          <p:cNvCxnSpPr>
+            <a:cxnSpLocks noGrp="1" noRot="1" noChangeAspect="1" noMove="1" noResize="1" noEditPoints="1" noAdjustHandles="1" noChangeArrowheads="1" noChangeShapeType="1"/>
+          </p:cNvCxnSpPr>
+          <p:nvPr>
+            <p:extLst>
+              <p:ext uri="{386F3935-93C4-4BCD-93E2-E3B085C9AB24}">
+                <p16:designElem xmlns:p16="http://schemas.microsoft.com/office/powerpoint/2015/main" val="1"/>
+              </p:ext>
+            </p:extLst>
+          </p:nvPr>
+        </p:nvCxnSpPr>
+        <p:spPr>
+          <a:xfrm>
+            <a:off x="905743" y="3257550"/>
+            <a:ext cx="7406640" cy="0"/>
+          </a:xfrm>
+          <a:prstGeom prst="line">
+            <a:avLst/>
+          </a:prstGeom>
+          <a:ln w="6350">
+            <a:solidFill>
+              <a:schemeClr val="tx1">
+                <a:lumMod val="50000"/>
+                <a:lumOff val="50000"/>
+              </a:schemeClr>
+            </a:solidFill>
+          </a:ln>
+        </p:spPr>
+        <p:style>
+          <a:lnRef idx="1">
+            <a:schemeClr val="accent1"/>
+          </a:lnRef>
+          <a:fillRef idx="0">
+            <a:schemeClr val="accent1"/>
+          </a:fillRef>
+          <a:effectRef idx="0">
+            <a:schemeClr val="accent1"/>
+          </a:effectRef>
+          <a:fontRef idx="minor">
+            <a:schemeClr val="tx1"/>
+          </a:fontRef>
+        </p:style>
+      </p:cxnSp>
+      <p:sp useBgFill="1">
+        <p:nvSpPr>
+          <p:cNvPr id="94" name="Rectangle 93">
+            <a:extLst>
+              <a:ext uri="{FF2B5EF4-FFF2-40B4-BE49-F238E27FC236}">
+                <a16:creationId xmlns:a16="http://schemas.microsoft.com/office/drawing/2014/main" id="{5AE6C737-FF55-4064-94B7-0B21D2EB6045}"/>
+              </a:ext>
+              <a:ext uri="{C183D7F6-B498-43B3-948B-1728B52AA6E4}">
+                <adec:decorative xmlns:adec="http://schemas.microsoft.com/office/drawing/2017/decorative" val="1"/>
+              </a:ext>
+            </a:extLst>
+          </p:cNvPr>
+          <p:cNvSpPr>
+            <a:spLocks noGrp="1" noRot="1" noChangeAspect="1" noMove="1" noResize="1" noEditPoints="1" noAdjustHandles="1" noChangeArrowheads="1" noChangeShapeType="1" noTextEdit="1"/>
+          </p:cNvSpPr>
+          <p:nvPr>
+            <p:extLst>
+              <p:ext uri="{386F3935-93C4-4BCD-93E2-E3B085C9AB24}">
+                <p16:designElem xmlns:p16="http://schemas.microsoft.com/office/powerpoint/2015/main" val="1"/>
+              </p:ext>
+            </p:extLst>
+          </p:nvPr>
+        </p:nvSpPr>
+        <p:spPr>
+          <a:xfrm>
+            <a:off x="0" y="0"/>
+            <a:ext cx="9144000" cy="4750737"/>
+          </a:xfrm>
+          <a:prstGeom prst="rect">
+            <a:avLst/>
+          </a:prstGeom>
+          <a:ln>
+            <a:noFill/>
+          </a:ln>
+        </p:spPr>
+        <p:style>
+          <a:lnRef idx="2">
+            <a:schemeClr val="accent1">
+              <a:shade val="50000"/>
+            </a:schemeClr>
+          </a:lnRef>
+          <a:fillRef idx="1">
+            <a:schemeClr val="accent1"/>
+          </a:fillRef>
+          <a:effectRef idx="0">
+            <a:schemeClr val="accent1"/>
+          </a:effectRef>
+          <a:fontRef idx="minor">
+            <a:schemeClr val="lt1"/>
+          </a:fontRef>
+        </p:style>
+        <p:txBody>
+          <a:bodyPr rtlCol="0" anchor="ctr"/>
+          <a:lstStyle/>
+          <a:p>
+            <a:pPr algn="ctr"/>
+            <a:endParaRPr lang="en-US"/>
+          </a:p>
+        </p:txBody>
+      </p:sp>
+      <p:sp>
+        <p:nvSpPr>
+          <p:cNvPr id="6" name="Google Shape;61;p14">
+            <a:extLst>
+              <a:ext uri="{FF2B5EF4-FFF2-40B4-BE49-F238E27FC236}">
+                <a16:creationId xmlns:a16="http://schemas.microsoft.com/office/drawing/2014/main" id="{0F23E509-8CCF-451E-9A3C-78096F0F9453}"/>
+              </a:ext>
+            </a:extLst>
+          </p:cNvPr>
+          <p:cNvSpPr txBox="1">
+            <a:spLocks noGrp="1"/>
+          </p:cNvSpPr>
+          <p:nvPr>
+            <p:ph type="title"/>
+          </p:nvPr>
+        </p:nvSpPr>
+        <p:spPr>
+          <a:xfrm>
+            <a:off x="5047500" y="479322"/>
+            <a:ext cx="3609804" cy="2764512"/>
+          </a:xfrm>
+          <a:prstGeom prst="rect">
+            <a:avLst/>
+          </a:prstGeom>
+        </p:spPr>
+        <p:txBody>
+          <a:bodyPr spcFirstLastPara="1" vert="horz" lIns="91440" tIns="45720" rIns="91440" bIns="45720" rtlCol="0" anchor="b" anchorCtr="0">
+            <a:normAutofit/>
+          </a:bodyPr>
+          <a:lstStyle/>
+          <a:p>
+            <a:pPr marL="0" lvl="0" indent="0" defTabSz="914400">
+              <a:spcBef>
+                <a:spcPct val="0"/>
+              </a:spcBef>
+              <a:spcAft>
+                <a:spcPts val="0"/>
+              </a:spcAft>
+            </a:pPr>
+            <a:r>
+              <a:rPr lang="en-US" sz="5600" spc="-50">
+                <a:solidFill>
+                  <a:schemeClr val="tx1">
+                    <a:lumMod val="85000"/>
+                    <a:lumOff val="15000"/>
+                  </a:schemeClr>
+                </a:solidFill>
+              </a:rPr>
+              <a:t>Data </a:t>
+            </a:r>
+            <a:br>
+              <a:rPr lang="en-US" sz="5600" spc="-50">
+                <a:solidFill>
+                  <a:schemeClr val="tx1">
+                    <a:lumMod val="85000"/>
+                    <a:lumOff val="15000"/>
+                  </a:schemeClr>
+                </a:solidFill>
+              </a:rPr>
+            </a:br>
+            <a:r>
+              <a:rPr lang="en-US" sz="5600" spc="-50">
+                <a:solidFill>
+                  <a:schemeClr val="tx1">
+                    <a:lumMod val="85000"/>
+                    <a:lumOff val="15000"/>
+                  </a:schemeClr>
+                </a:solidFill>
+              </a:rPr>
+              <a:t>Exploration</a:t>
+            </a:r>
+          </a:p>
+        </p:txBody>
+      </p:sp>
       <p:pic>
         <p:nvPicPr>
           <p:cNvPr id="2" name="Picture 1" descr="A screenshot of a cell phone&#10;&#10;Description automatically generated">
@@ -5654,7 +6320,7 @@
     </p:spTree>
     <p:extLst>
       <p:ext uri="{BB962C8B-B14F-4D97-AF65-F5344CB8AC3E}">
-        <p14:creationId xmlns:p14="http://schemas.microsoft.com/office/powerpoint/2010/main" val="2131446784"/>
+        <p14:creationId xmlns:p14="http://schemas.microsoft.com/office/powerpoint/2010/main" val="1652690449"/>
       </p:ext>
     </p:extLst>
   </p:cSld>
@@ -5664,7 +6330,7 @@
 </p:sld>
 </file>
 
-<file path=ppt/slides/slide3.xml><?xml version="1.0" encoding="utf-8"?>
+<file path=ppt/slides/slide4.xml><?xml version="1.0" encoding="utf-8"?>
 <p:sld xmlns:a="http://schemas.openxmlformats.org/drawingml/2006/main" xmlns:r="http://schemas.openxmlformats.org/officeDocument/2006/relationships" xmlns:p="http://schemas.openxmlformats.org/presentationml/2006/main">
   <p:cSld>
     <p:spTree>
